--- a/liskov/Liskov Substitution principle.pptx
+++ b/liskov/Liskov Substitution principle.pptx
@@ -5,7 +5,7 @@
     <p:sldMasterId id="2147483648" r:id="rId1"/>
   </p:sldMasterIdLst>
   <p:notesMasterIdLst>
-    <p:notesMasterId r:id="rId18"/>
+    <p:notesMasterId r:id="rId20"/>
   </p:notesMasterIdLst>
   <p:sldIdLst>
     <p:sldId id="271" r:id="rId2"/>
@@ -24,6 +24,8 @@
     <p:sldId id="270" r:id="rId15"/>
     <p:sldId id="273" r:id="rId16"/>
     <p:sldId id="274" r:id="rId17"/>
+    <p:sldId id="275" r:id="rId18"/>
+    <p:sldId id="276" r:id="rId19"/>
   </p:sldIdLst>
   <p:sldSz cx="12192000" cy="6858000"/>
   <p:notesSz cx="6858000" cy="9144000"/>
@@ -4935,7 +4937,7 @@
           <a:p>
             <a:fld id="{5BEA78B6-2687-42E1-A1D3-1FC87C743E96}" type="datetimeFigureOut">
               <a:rPr lang="en-US" smtClean="0"/>
-              <a:t>12/15/2025</a:t>
+              <a:t>12/16/2025</a:t>
             </a:fld>
             <a:endParaRPr lang="en-US"/>
           </a:p>
@@ -5433,7 +5435,7 @@
           <a:p>
             <a:fld id="{CF8AC303-C5AE-4A68-85B1-2982A928B1C2}" type="datetimeFigureOut">
               <a:rPr lang="en-US" smtClean="0"/>
-              <a:t>12/15/2025</a:t>
+              <a:t>12/16/2025</a:t>
             </a:fld>
             <a:endParaRPr lang="en-US"/>
           </a:p>
@@ -5631,7 +5633,7 @@
           <a:p>
             <a:fld id="{CF8AC303-C5AE-4A68-85B1-2982A928B1C2}" type="datetimeFigureOut">
               <a:rPr lang="en-US" smtClean="0"/>
-              <a:t>12/15/2025</a:t>
+              <a:t>12/16/2025</a:t>
             </a:fld>
             <a:endParaRPr lang="en-US"/>
           </a:p>
@@ -5839,7 +5841,7 @@
           <a:p>
             <a:fld id="{CF8AC303-C5AE-4A68-85B1-2982A928B1C2}" type="datetimeFigureOut">
               <a:rPr lang="en-US" smtClean="0"/>
-              <a:t>12/15/2025</a:t>
+              <a:t>12/16/2025</a:t>
             </a:fld>
             <a:endParaRPr lang="en-US"/>
           </a:p>
@@ -6037,7 +6039,7 @@
           <a:p>
             <a:fld id="{CF8AC303-C5AE-4A68-85B1-2982A928B1C2}" type="datetimeFigureOut">
               <a:rPr lang="en-US" smtClean="0"/>
-              <a:t>12/15/2025</a:t>
+              <a:t>12/16/2025</a:t>
             </a:fld>
             <a:endParaRPr lang="en-US"/>
           </a:p>
@@ -6312,7 +6314,7 @@
           <a:p>
             <a:fld id="{CF8AC303-C5AE-4A68-85B1-2982A928B1C2}" type="datetimeFigureOut">
               <a:rPr lang="en-US" smtClean="0"/>
-              <a:t>12/15/2025</a:t>
+              <a:t>12/16/2025</a:t>
             </a:fld>
             <a:endParaRPr lang="en-US"/>
           </a:p>
@@ -6577,7 +6579,7 @@
           <a:p>
             <a:fld id="{CF8AC303-C5AE-4A68-85B1-2982A928B1C2}" type="datetimeFigureOut">
               <a:rPr lang="en-US" smtClean="0"/>
-              <a:t>12/15/2025</a:t>
+              <a:t>12/16/2025</a:t>
             </a:fld>
             <a:endParaRPr lang="en-US"/>
           </a:p>
@@ -6989,7 +6991,7 @@
           <a:p>
             <a:fld id="{CF8AC303-C5AE-4A68-85B1-2982A928B1C2}" type="datetimeFigureOut">
               <a:rPr lang="en-US" smtClean="0"/>
-              <a:t>12/15/2025</a:t>
+              <a:t>12/16/2025</a:t>
             </a:fld>
             <a:endParaRPr lang="en-US"/>
           </a:p>
@@ -7130,7 +7132,7 @@
           <a:p>
             <a:fld id="{CF8AC303-C5AE-4A68-85B1-2982A928B1C2}" type="datetimeFigureOut">
               <a:rPr lang="en-US" smtClean="0"/>
-              <a:t>12/15/2025</a:t>
+              <a:t>12/16/2025</a:t>
             </a:fld>
             <a:endParaRPr lang="en-US"/>
           </a:p>
@@ -7243,7 +7245,7 @@
           <a:p>
             <a:fld id="{CF8AC303-C5AE-4A68-85B1-2982A928B1C2}" type="datetimeFigureOut">
               <a:rPr lang="en-US" smtClean="0"/>
-              <a:t>12/15/2025</a:t>
+              <a:t>12/16/2025</a:t>
             </a:fld>
             <a:endParaRPr lang="en-US"/>
           </a:p>
@@ -7554,7 +7556,7 @@
           <a:p>
             <a:fld id="{CF8AC303-C5AE-4A68-85B1-2982A928B1C2}" type="datetimeFigureOut">
               <a:rPr lang="en-US" smtClean="0"/>
-              <a:t>12/15/2025</a:t>
+              <a:t>12/16/2025</a:t>
             </a:fld>
             <a:endParaRPr lang="en-US"/>
           </a:p>
@@ -7842,7 +7844,7 @@
           <a:p>
             <a:fld id="{CF8AC303-C5AE-4A68-85B1-2982A928B1C2}" type="datetimeFigureOut">
               <a:rPr lang="en-US" smtClean="0"/>
-              <a:t>12/15/2025</a:t>
+              <a:t>12/16/2025</a:t>
             </a:fld>
             <a:endParaRPr lang="en-US"/>
           </a:p>
@@ -8083,7 +8085,7 @@
           <a:p>
             <a:fld id="{CF8AC303-C5AE-4A68-85B1-2982A928B1C2}" type="datetimeFigureOut">
               <a:rPr lang="en-US" smtClean="0"/>
-              <a:t>12/15/2025</a:t>
+              <a:t>12/16/2025</a:t>
             </a:fld>
             <a:endParaRPr lang="en-US"/>
           </a:p>
@@ -11139,6 +11141,581 @@
 </p:sld>
 </file>
 
+<file path=ppt/slides/slide17.xml><?xml version="1.0" encoding="utf-8"?>
+<p:sld xmlns:a="http://schemas.openxmlformats.org/drawingml/2006/main" xmlns:r="http://schemas.openxmlformats.org/officeDocument/2006/relationships" xmlns:p="http://schemas.openxmlformats.org/presentationml/2006/main">
+  <p:cSld>
+    <p:spTree>
+      <p:nvGrpSpPr>
+        <p:cNvPr id="1" name=""/>
+        <p:cNvGrpSpPr/>
+        <p:nvPr/>
+      </p:nvGrpSpPr>
+      <p:grpSpPr>
+        <a:xfrm>
+          <a:off x="0" y="0"/>
+          <a:ext cx="0" cy="0"/>
+          <a:chOff x="0" y="0"/>
+          <a:chExt cx="0" cy="0"/>
+        </a:xfrm>
+      </p:grpSpPr>
+      <p:pic>
+        <p:nvPicPr>
+          <p:cNvPr id="5" name="Content Placeholder 4">
+            <a:extLst>
+              <a:ext uri="{FF2B5EF4-FFF2-40B4-BE49-F238E27FC236}">
+                <a16:creationId xmlns:a16="http://schemas.microsoft.com/office/drawing/2014/main" id="{8BB188B9-CC66-B7B4-6202-835B86966A8B}"/>
+              </a:ext>
+            </a:extLst>
+          </p:cNvPr>
+          <p:cNvPicPr>
+            <a:picLocks noGrp="1" noChangeAspect="1"/>
+          </p:cNvPicPr>
+          <p:nvPr>
+            <p:ph idx="1"/>
+          </p:nvPr>
+        </p:nvPicPr>
+        <p:blipFill>
+          <a:blip r:embed="rId2"/>
+          <a:stretch>
+            <a:fillRect/>
+          </a:stretch>
+        </p:blipFill>
+        <p:spPr>
+          <a:xfrm>
+            <a:off x="769961" y="1021761"/>
+            <a:ext cx="8811855" cy="800212"/>
+          </a:xfrm>
+          <a:prstGeom prst="rect">
+            <a:avLst/>
+          </a:prstGeom>
+        </p:spPr>
+      </p:pic>
+    </p:spTree>
+    <p:extLst>
+      <p:ext uri="{BB962C8B-B14F-4D97-AF65-F5344CB8AC3E}">
+        <p14:creationId xmlns:p14="http://schemas.microsoft.com/office/powerpoint/2010/main" val="3474954144"/>
+      </p:ext>
+    </p:extLst>
+  </p:cSld>
+  <p:clrMapOvr>
+    <a:masterClrMapping/>
+  </p:clrMapOvr>
+</p:sld>
+</file>
+
+<file path=ppt/slides/slide18.xml><?xml version="1.0" encoding="utf-8"?>
+<p:sld xmlns:a="http://schemas.openxmlformats.org/drawingml/2006/main" xmlns:r="http://schemas.openxmlformats.org/officeDocument/2006/relationships" xmlns:p="http://schemas.openxmlformats.org/presentationml/2006/main">
+  <p:cSld>
+    <p:bg>
+      <p:bgPr>
+        <a:solidFill>
+          <a:schemeClr val="bg1"/>
+        </a:solidFill>
+        <a:effectLst/>
+      </p:bgPr>
+    </p:bg>
+    <p:spTree>
+      <p:nvGrpSpPr>
+        <p:cNvPr id="1" name=""/>
+        <p:cNvGrpSpPr/>
+        <p:nvPr/>
+      </p:nvGrpSpPr>
+      <p:grpSpPr>
+        <a:xfrm>
+          <a:off x="0" y="0"/>
+          <a:ext cx="0" cy="0"/>
+          <a:chOff x="0" y="0"/>
+          <a:chExt cx="0" cy="0"/>
+        </a:xfrm>
+      </p:grpSpPr>
+      <p:sp useBgFill="1">
+        <p:nvSpPr>
+          <p:cNvPr id="11" name="Rectangle 10">
+            <a:extLst>
+              <a:ext uri="{FF2B5EF4-FFF2-40B4-BE49-F238E27FC236}">
+                <a16:creationId xmlns:a16="http://schemas.microsoft.com/office/drawing/2014/main" id="{943CAA20-3569-4189-9E48-239A229A86CA}"/>
+              </a:ext>
+              <a:ext uri="{C183D7F6-B498-43B3-948B-1728B52AA6E4}">
+                <adec:decorative xmlns:adec="http://schemas.microsoft.com/office/drawing/2017/decorative" val="1"/>
+              </a:ext>
+            </a:extLst>
+          </p:cNvPr>
+          <p:cNvSpPr>
+            <a:spLocks noGrp="1" noRot="1" noChangeAspect="1" noMove="1" noResize="1" noEditPoints="1" noAdjustHandles="1" noChangeArrowheads="1" noChangeShapeType="1" noTextEdit="1"/>
+          </p:cNvSpPr>
+          <p:nvPr>
+            <p:extLst>
+              <p:ext uri="{386F3935-93C4-4BCD-93E2-E3B085C9AB24}">
+                <p16:designElem xmlns:p16="http://schemas.microsoft.com/office/powerpoint/2015/main" val="1"/>
+              </p:ext>
+            </p:extLst>
+          </p:nvPr>
+        </p:nvSpPr>
+        <p:spPr>
+          <a:xfrm>
+            <a:off x="0" y="0"/>
+            <a:ext cx="12188952" cy="6858000"/>
+          </a:xfrm>
+          <a:prstGeom prst="rect">
+            <a:avLst/>
+          </a:prstGeom>
+          <a:ln>
+            <a:noFill/>
+          </a:ln>
+        </p:spPr>
+        <p:style>
+          <a:lnRef idx="2">
+            <a:schemeClr val="accent1">
+              <a:shade val="50000"/>
+            </a:schemeClr>
+          </a:lnRef>
+          <a:fillRef idx="1">
+            <a:schemeClr val="accent1"/>
+          </a:fillRef>
+          <a:effectRef idx="0">
+            <a:schemeClr val="accent1"/>
+          </a:effectRef>
+          <a:fontRef idx="minor">
+            <a:schemeClr val="lt1"/>
+          </a:fontRef>
+        </p:style>
+        <p:txBody>
+          <a:bodyPr rtlCol="0" anchor="ctr"/>
+          <a:lstStyle/>
+          <a:p>
+            <a:pPr algn="ctr"/>
+            <a:endParaRPr lang="en-US"/>
+          </a:p>
+        </p:txBody>
+      </p:sp>
+      <p:sp>
+        <p:nvSpPr>
+          <p:cNvPr id="2" name="Title 1">
+            <a:extLst>
+              <a:ext uri="{FF2B5EF4-FFF2-40B4-BE49-F238E27FC236}">
+                <a16:creationId xmlns:a16="http://schemas.microsoft.com/office/drawing/2014/main" id="{C9EBF83B-2039-A1ED-4094-44A082955C8E}"/>
+              </a:ext>
+            </a:extLst>
+          </p:cNvPr>
+          <p:cNvSpPr>
+            <a:spLocks noGrp="1"/>
+          </p:cNvSpPr>
+          <p:nvPr>
+            <p:ph type="title"/>
+          </p:nvPr>
+        </p:nvSpPr>
+        <p:spPr>
+          <a:xfrm>
+            <a:off x="838200" y="451381"/>
+            <a:ext cx="10512552" cy="4066540"/>
+          </a:xfrm>
+        </p:spPr>
+        <p:txBody>
+          <a:bodyPr vert="horz" lIns="91440" tIns="45720" rIns="91440" bIns="45720" rtlCol="0" anchor="b">
+            <a:normAutofit/>
+          </a:bodyPr>
+          <a:lstStyle/>
+          <a:p>
+            <a:r>
+              <a:rPr lang="en-US" sz="6600" kern="1200">
+                <a:solidFill>
+                  <a:schemeClr val="tx1"/>
+                </a:solidFill>
+                <a:latin typeface="+mj-lt"/>
+                <a:ea typeface="+mj-ea"/>
+                <a:cs typeface="+mj-cs"/>
+              </a:rPr>
+              <a:t>The End</a:t>
+            </a:r>
+          </a:p>
+        </p:txBody>
+      </p:sp>
+      <p:sp>
+        <p:nvSpPr>
+          <p:cNvPr id="12" name="sketch line">
+            <a:extLst>
+              <a:ext uri="{FF2B5EF4-FFF2-40B4-BE49-F238E27FC236}">
+                <a16:creationId xmlns:a16="http://schemas.microsoft.com/office/drawing/2014/main" id="{DA542B6D-E775-4832-91DC-2D20F857813A}"/>
+              </a:ext>
+              <a:ext uri="{C183D7F6-B498-43B3-948B-1728B52AA6E4}">
+                <adec:decorative xmlns:adec="http://schemas.microsoft.com/office/drawing/2017/decorative" val="1"/>
+              </a:ext>
+            </a:extLst>
+          </p:cNvPr>
+          <p:cNvSpPr>
+            <a:spLocks noGrp="1" noRot="1" noChangeAspect="1" noMove="1" noResize="1" noEditPoints="1" noAdjustHandles="1" noChangeArrowheads="1" noChangeShapeType="1" noTextEdit="1"/>
+          </p:cNvSpPr>
+          <p:nvPr>
+            <p:extLst>
+              <p:ext uri="{386F3935-93C4-4BCD-93E2-E3B085C9AB24}">
+                <p16:designElem xmlns:p16="http://schemas.microsoft.com/office/powerpoint/2015/main" val="1"/>
+              </p:ext>
+            </p:extLst>
+          </p:nvPr>
+        </p:nvSpPr>
+        <p:spPr>
+          <a:xfrm>
+            <a:off x="838200" y="4718595"/>
+            <a:ext cx="5410200" cy="18288"/>
+          </a:xfrm>
+          <a:custGeom>
+            <a:avLst/>
+            <a:gdLst>
+              <a:gd name="csX0" fmla="*/ 0 w 5410200"/>
+              <a:gd name="csY0" fmla="*/ 0 h 18288"/>
+              <a:gd name="csX1" fmla="*/ 568071 w 5410200"/>
+              <a:gd name="csY1" fmla="*/ 0 h 18288"/>
+              <a:gd name="csX2" fmla="*/ 1298448 w 5410200"/>
+              <a:gd name="csY2" fmla="*/ 0 h 18288"/>
+              <a:gd name="csX3" fmla="*/ 1920621 w 5410200"/>
+              <a:gd name="csY3" fmla="*/ 0 h 18288"/>
+              <a:gd name="csX4" fmla="*/ 2488692 w 5410200"/>
+              <a:gd name="csY4" fmla="*/ 0 h 18288"/>
+              <a:gd name="csX5" fmla="*/ 3219069 w 5410200"/>
+              <a:gd name="csY5" fmla="*/ 0 h 18288"/>
+              <a:gd name="csX6" fmla="*/ 3895344 w 5410200"/>
+              <a:gd name="csY6" fmla="*/ 0 h 18288"/>
+              <a:gd name="csX7" fmla="*/ 4571619 w 5410200"/>
+              <a:gd name="csY7" fmla="*/ 0 h 18288"/>
+              <a:gd name="csX8" fmla="*/ 5410200 w 5410200"/>
+              <a:gd name="csY8" fmla="*/ 0 h 18288"/>
+              <a:gd name="csX9" fmla="*/ 5410200 w 5410200"/>
+              <a:gd name="csY9" fmla="*/ 18288 h 18288"/>
+              <a:gd name="csX10" fmla="*/ 4842129 w 5410200"/>
+              <a:gd name="csY10" fmla="*/ 18288 h 18288"/>
+              <a:gd name="csX11" fmla="*/ 4328160 w 5410200"/>
+              <a:gd name="csY11" fmla="*/ 18288 h 18288"/>
+              <a:gd name="csX12" fmla="*/ 3597783 w 5410200"/>
+              <a:gd name="csY12" fmla="*/ 18288 h 18288"/>
+              <a:gd name="csX13" fmla="*/ 3029712 w 5410200"/>
+              <a:gd name="csY13" fmla="*/ 18288 h 18288"/>
+              <a:gd name="csX14" fmla="*/ 2299335 w 5410200"/>
+              <a:gd name="csY14" fmla="*/ 18288 h 18288"/>
+              <a:gd name="csX15" fmla="*/ 1514856 w 5410200"/>
+              <a:gd name="csY15" fmla="*/ 18288 h 18288"/>
+              <a:gd name="csX16" fmla="*/ 892683 w 5410200"/>
+              <a:gd name="csY16" fmla="*/ 18288 h 18288"/>
+              <a:gd name="csX17" fmla="*/ 0 w 5410200"/>
+              <a:gd name="csY17" fmla="*/ 18288 h 18288"/>
+              <a:gd name="csX18" fmla="*/ 0 w 5410200"/>
+              <a:gd name="csY18" fmla="*/ 0 h 18288"/>
+            </a:gdLst>
+            <a:ahLst/>
+            <a:cxnLst>
+              <a:cxn ang="0">
+                <a:pos x="csX0" y="csY0"/>
+              </a:cxn>
+              <a:cxn ang="0">
+                <a:pos x="csX1" y="csY1"/>
+              </a:cxn>
+              <a:cxn ang="0">
+                <a:pos x="csX2" y="csY2"/>
+              </a:cxn>
+              <a:cxn ang="0">
+                <a:pos x="csX3" y="csY3"/>
+              </a:cxn>
+              <a:cxn ang="0">
+                <a:pos x="csX4" y="csY4"/>
+              </a:cxn>
+              <a:cxn ang="0">
+                <a:pos x="csX5" y="csY5"/>
+              </a:cxn>
+              <a:cxn ang="0">
+                <a:pos x="csX6" y="csY6"/>
+              </a:cxn>
+              <a:cxn ang="0">
+                <a:pos x="csX7" y="csY7"/>
+              </a:cxn>
+              <a:cxn ang="0">
+                <a:pos x="csX8" y="csY8"/>
+              </a:cxn>
+              <a:cxn ang="0">
+                <a:pos x="csX9" y="csY9"/>
+              </a:cxn>
+              <a:cxn ang="0">
+                <a:pos x="csX10" y="csY10"/>
+              </a:cxn>
+              <a:cxn ang="0">
+                <a:pos x="csX11" y="csY11"/>
+              </a:cxn>
+              <a:cxn ang="0">
+                <a:pos x="csX12" y="csY12"/>
+              </a:cxn>
+              <a:cxn ang="0">
+                <a:pos x="csX13" y="csY13"/>
+              </a:cxn>
+              <a:cxn ang="0">
+                <a:pos x="csX14" y="csY14"/>
+              </a:cxn>
+              <a:cxn ang="0">
+                <a:pos x="csX15" y="csY15"/>
+              </a:cxn>
+              <a:cxn ang="0">
+                <a:pos x="csX16" y="csY16"/>
+              </a:cxn>
+              <a:cxn ang="0">
+                <a:pos x="csX17" y="csY17"/>
+              </a:cxn>
+              <a:cxn ang="0">
+                <a:pos x="csX18" y="csY18"/>
+              </a:cxn>
+            </a:cxnLst>
+            <a:rect l="l" t="t" r="r" b="b"/>
+            <a:pathLst>
+              <a:path w="5410200" h="18288" fill="none" extrusionOk="0">
+                <a:moveTo>
+                  <a:pt x="0" y="0"/>
+                </a:moveTo>
+                <a:cubicBezTo>
+                  <a:pt x="163050" y="-18707"/>
+                  <a:pt x="319321" y="-16364"/>
+                  <a:pt x="568071" y="0"/>
+                </a:cubicBezTo>
+                <a:cubicBezTo>
+                  <a:pt x="816821" y="16364"/>
+                  <a:pt x="1013224" y="-7268"/>
+                  <a:pt x="1298448" y="0"/>
+                </a:cubicBezTo>
+                <a:cubicBezTo>
+                  <a:pt x="1583672" y="7268"/>
+                  <a:pt x="1631711" y="-3367"/>
+                  <a:pt x="1920621" y="0"/>
+                </a:cubicBezTo>
+                <a:cubicBezTo>
+                  <a:pt x="2209531" y="3367"/>
+                  <a:pt x="2364420" y="-19184"/>
+                  <a:pt x="2488692" y="0"/>
+                </a:cubicBezTo>
+                <a:cubicBezTo>
+                  <a:pt x="2612964" y="19184"/>
+                  <a:pt x="3023298" y="-34627"/>
+                  <a:pt x="3219069" y="0"/>
+                </a:cubicBezTo>
+                <a:cubicBezTo>
+                  <a:pt x="3414840" y="34627"/>
+                  <a:pt x="3656810" y="24043"/>
+                  <a:pt x="3895344" y="0"/>
+                </a:cubicBezTo>
+                <a:cubicBezTo>
+                  <a:pt x="4133879" y="-24043"/>
+                  <a:pt x="4393984" y="-19577"/>
+                  <a:pt x="4571619" y="0"/>
+                </a:cubicBezTo>
+                <a:cubicBezTo>
+                  <a:pt x="4749255" y="19577"/>
+                  <a:pt x="5179928" y="-6281"/>
+                  <a:pt x="5410200" y="0"/>
+                </a:cubicBezTo>
+                <a:cubicBezTo>
+                  <a:pt x="5410730" y="6954"/>
+                  <a:pt x="5410934" y="12839"/>
+                  <a:pt x="5410200" y="18288"/>
+                </a:cubicBezTo>
+                <a:cubicBezTo>
+                  <a:pt x="5139060" y="6751"/>
+                  <a:pt x="5121593" y="31035"/>
+                  <a:pt x="4842129" y="18288"/>
+                </a:cubicBezTo>
+                <a:cubicBezTo>
+                  <a:pt x="4562665" y="5541"/>
+                  <a:pt x="4448273" y="9487"/>
+                  <a:pt x="4328160" y="18288"/>
+                </a:cubicBezTo>
+                <a:cubicBezTo>
+                  <a:pt x="4208047" y="27089"/>
+                  <a:pt x="3760936" y="22567"/>
+                  <a:pt x="3597783" y="18288"/>
+                </a:cubicBezTo>
+                <a:cubicBezTo>
+                  <a:pt x="3434630" y="14009"/>
+                  <a:pt x="3299718" y="33213"/>
+                  <a:pt x="3029712" y="18288"/>
+                </a:cubicBezTo>
+                <a:cubicBezTo>
+                  <a:pt x="2759706" y="3363"/>
+                  <a:pt x="2640159" y="27394"/>
+                  <a:pt x="2299335" y="18288"/>
+                </a:cubicBezTo>
+                <a:cubicBezTo>
+                  <a:pt x="1958511" y="9182"/>
+                  <a:pt x="1801186" y="28985"/>
+                  <a:pt x="1514856" y="18288"/>
+                </a:cubicBezTo>
+                <a:cubicBezTo>
+                  <a:pt x="1228526" y="7591"/>
+                  <a:pt x="1063509" y="-5305"/>
+                  <a:pt x="892683" y="18288"/>
+                </a:cubicBezTo>
+                <a:cubicBezTo>
+                  <a:pt x="721857" y="41881"/>
+                  <a:pt x="186945" y="-20897"/>
+                  <a:pt x="0" y="18288"/>
+                </a:cubicBezTo>
+                <a:cubicBezTo>
+                  <a:pt x="-570" y="9279"/>
+                  <a:pt x="132" y="5100"/>
+                  <a:pt x="0" y="0"/>
+                </a:cubicBezTo>
+                <a:close/>
+              </a:path>
+              <a:path w="5410200" h="18288" stroke="0" extrusionOk="0">
+                <a:moveTo>
+                  <a:pt x="0" y="0"/>
+                </a:moveTo>
+                <a:cubicBezTo>
+                  <a:pt x="285096" y="-4925"/>
+                  <a:pt x="376456" y="22268"/>
+                  <a:pt x="622173" y="0"/>
+                </a:cubicBezTo>
+                <a:cubicBezTo>
+                  <a:pt x="867890" y="-22268"/>
+                  <a:pt x="1031392" y="7228"/>
+                  <a:pt x="1136142" y="0"/>
+                </a:cubicBezTo>
+                <a:cubicBezTo>
+                  <a:pt x="1240892" y="-7228"/>
+                  <a:pt x="1561853" y="9877"/>
+                  <a:pt x="1920621" y="0"/>
+                </a:cubicBezTo>
+                <a:cubicBezTo>
+                  <a:pt x="2279389" y="-9877"/>
+                  <a:pt x="2367255" y="19546"/>
+                  <a:pt x="2542794" y="0"/>
+                </a:cubicBezTo>
+                <a:cubicBezTo>
+                  <a:pt x="2718333" y="-19546"/>
+                  <a:pt x="2866732" y="-22226"/>
+                  <a:pt x="3164967" y="0"/>
+                </a:cubicBezTo>
+                <a:cubicBezTo>
+                  <a:pt x="3463202" y="22226"/>
+                  <a:pt x="3568055" y="-2765"/>
+                  <a:pt x="3949446" y="0"/>
+                </a:cubicBezTo>
+                <a:cubicBezTo>
+                  <a:pt x="4330837" y="2765"/>
+                  <a:pt x="4287895" y="10557"/>
+                  <a:pt x="4517517" y="0"/>
+                </a:cubicBezTo>
+                <a:cubicBezTo>
+                  <a:pt x="4747139" y="-10557"/>
+                  <a:pt x="5149588" y="8716"/>
+                  <a:pt x="5410200" y="0"/>
+                </a:cubicBezTo>
+                <a:cubicBezTo>
+                  <a:pt x="5409517" y="5414"/>
+                  <a:pt x="5409480" y="12510"/>
+                  <a:pt x="5410200" y="18288"/>
+                </a:cubicBezTo>
+                <a:cubicBezTo>
+                  <a:pt x="5163327" y="41494"/>
+                  <a:pt x="5008749" y="10693"/>
+                  <a:pt x="4842129" y="18288"/>
+                </a:cubicBezTo>
+                <a:cubicBezTo>
+                  <a:pt x="4675509" y="25883"/>
+                  <a:pt x="4433401" y="-615"/>
+                  <a:pt x="4165854" y="18288"/>
+                </a:cubicBezTo>
+                <a:cubicBezTo>
+                  <a:pt x="3898308" y="37191"/>
+                  <a:pt x="3809032" y="-8710"/>
+                  <a:pt x="3543681" y="18288"/>
+                </a:cubicBezTo>
+                <a:cubicBezTo>
+                  <a:pt x="3278330" y="45286"/>
+                  <a:pt x="3073876" y="-15917"/>
+                  <a:pt x="2759202" y="18288"/>
+                </a:cubicBezTo>
+                <a:cubicBezTo>
+                  <a:pt x="2444528" y="52493"/>
+                  <a:pt x="2204144" y="3372"/>
+                  <a:pt x="1974723" y="18288"/>
+                </a:cubicBezTo>
+                <a:cubicBezTo>
+                  <a:pt x="1745302" y="33204"/>
+                  <a:pt x="1602335" y="31490"/>
+                  <a:pt x="1406652" y="18288"/>
+                </a:cubicBezTo>
+                <a:cubicBezTo>
+                  <a:pt x="1210969" y="5086"/>
+                  <a:pt x="923948" y="3161"/>
+                  <a:pt x="730377" y="18288"/>
+                </a:cubicBezTo>
+                <a:cubicBezTo>
+                  <a:pt x="536806" y="33415"/>
+                  <a:pt x="336496" y="-141"/>
+                  <a:pt x="0" y="18288"/>
+                </a:cubicBezTo>
+                <a:cubicBezTo>
+                  <a:pt x="-306" y="11061"/>
+                  <a:pt x="-655" y="7751"/>
+                  <a:pt x="0" y="0"/>
+                </a:cubicBezTo>
+                <a:close/>
+              </a:path>
+            </a:pathLst>
+          </a:custGeom>
+          <a:solidFill>
+            <a:schemeClr val="accent2"/>
+          </a:solidFill>
+          <a:ln w="41275" cap="rnd">
+            <a:solidFill>
+              <a:schemeClr val="accent2"/>
+            </a:solidFill>
+            <a:round/>
+            <a:extLst>
+              <a:ext uri="{C807C97D-BFC1-408E-A445-0C87EB9F89A2}">
+                <ask:lineSketchStyleProps xmlns:ask="http://schemas.microsoft.com/office/drawing/2018/sketchyshapes" sd="1219033472">
+                  <a:prstGeom prst="rect">
+                    <a:avLst/>
+                  </a:prstGeom>
+                  <ask:type>
+                    <ask:lineSketchFreehand/>
+                  </ask:type>
+                </ask:lineSketchStyleProps>
+              </a:ext>
+            </a:extLst>
+          </a:ln>
+        </p:spPr>
+        <p:style>
+          <a:lnRef idx="2">
+            <a:schemeClr val="accent1">
+              <a:shade val="50000"/>
+            </a:schemeClr>
+          </a:lnRef>
+          <a:fillRef idx="1">
+            <a:schemeClr val="accent1"/>
+          </a:fillRef>
+          <a:effectRef idx="0">
+            <a:schemeClr val="accent1"/>
+          </a:effectRef>
+          <a:fontRef idx="minor">
+            <a:schemeClr val="lt1"/>
+          </a:fontRef>
+        </p:style>
+        <p:txBody>
+          <a:bodyPr rtlCol="0" anchor="ctr"/>
+          <a:lstStyle/>
+          <a:p>
+            <a:pPr algn="ctr"/>
+            <a:endParaRPr lang="en-US"/>
+          </a:p>
+        </p:txBody>
+      </p:sp>
+    </p:spTree>
+    <p:extLst>
+      <p:ext uri="{BB962C8B-B14F-4D97-AF65-F5344CB8AC3E}">
+        <p14:creationId xmlns:p14="http://schemas.microsoft.com/office/powerpoint/2010/main" val="888403493"/>
+      </p:ext>
+    </p:extLst>
+  </p:cSld>
+  <p:clrMapOvr>
+    <a:masterClrMapping/>
+  </p:clrMapOvr>
+</p:sld>
+</file>
+
 <file path=ppt/slides/slide2.xml><?xml version="1.0" encoding="utf-8"?>
 <p:sld xmlns:a="http://schemas.openxmlformats.org/drawingml/2006/main" xmlns:r="http://schemas.openxmlformats.org/officeDocument/2006/relationships" xmlns:p="http://schemas.openxmlformats.org/presentationml/2006/main">
   <p:cSld>
@@ -11417,7 +11994,7 @@
             <p:ph idx="1"/>
             <p:extLst>
               <p:ext uri="{D42A27DB-BD31-4B8C-83A1-F6EECF244321}">
-                <p14:modId xmlns:p14="http://schemas.microsoft.com/office/powerpoint/2010/main" val="2907833716"/>
+                <p14:modId xmlns:p14="http://schemas.microsoft.com/office/powerpoint/2010/main" val="3346074989"/>
               </p:ext>
               <p:ext uri="{E7BDC344-281C-4309-B0C6-D0EE65EED2A8}">
                 <p202:designPr xmlns:p202="http://schemas.microsoft.com/office/powerpoint/2020/02/main">
@@ -11832,7 +12409,7 @@
                             <a:schemeClr val="tx1"/>
                           </a:solidFill>
                         </a:rPr>
-                        <a:t>Drama</a:t>
+                        <a:t>Drama/Foch</a:t>
                       </a:r>
                     </a:p>
                   </a:txBody>
@@ -12410,8 +12987,544 @@
               <a:buChar char="•"/>
             </a:pPr>
             <a:r>
-              <a:rPr lang="en-US" sz="1500"/>
-              <a:t>Barbara Liskov (ur. 7 listopada 1939 r.) jest amerykańskim naukowcem zajmującym się informatyką i jedną z najbardziej wpływowych postaci w dziedzinie podstaw współczesnej inżynierii oprogramowania. Jest najbardziej znana ze swojej pracy nad abstrakcją danych, systemami rozproszonymi i projektowaniem języków programowania. Liskov uzyskała doktorat z informatyki na Uniwersytecie Stanforda w 1968 roku, stając się jedną z pierwszych kobiet w Stanach Zjednoczonych, które uzyskały doktorat z informatyki. Większość swojej kariery spędziła w MIT, gdzie kierowała dużymi projektami badawczymi i była mentorką wielu pokoleń informatyków.</a:t>
+              <a:rPr lang="en-US" sz="1500" dirty="0"/>
+              <a:t>Barbara </a:t>
+            </a:r>
+            <a:r>
+              <a:rPr lang="en-US" sz="1500" dirty="0" err="1"/>
+              <a:t>Liskov</a:t>
+            </a:r>
+            <a:r>
+              <a:rPr lang="en-US" sz="1500" dirty="0"/>
+              <a:t> (</a:t>
+            </a:r>
+            <a:r>
+              <a:rPr lang="en-US" sz="1500" dirty="0" err="1"/>
+              <a:t>ur</a:t>
+            </a:r>
+            <a:r>
+              <a:rPr lang="en-US" sz="1500" dirty="0"/>
+              <a:t>. 7 </a:t>
+            </a:r>
+            <a:r>
+              <a:rPr lang="en-US" sz="1500" dirty="0" err="1"/>
+              <a:t>listopada</a:t>
+            </a:r>
+            <a:r>
+              <a:rPr lang="en-US" sz="1500" dirty="0"/>
+              <a:t> 1939 r.) jest </a:t>
+            </a:r>
+            <a:r>
+              <a:rPr lang="en-US" sz="1500" dirty="0" err="1"/>
+              <a:t>amerykańskim</a:t>
+            </a:r>
+            <a:r>
+              <a:rPr lang="en-US" sz="1500" dirty="0"/>
+              <a:t> </a:t>
+            </a:r>
+            <a:r>
+              <a:rPr lang="en-US" sz="1500" dirty="0" err="1"/>
+              <a:t>naukowcem</a:t>
+            </a:r>
+            <a:r>
+              <a:rPr lang="en-US" sz="1500" dirty="0"/>
+              <a:t> </a:t>
+            </a:r>
+            <a:r>
+              <a:rPr lang="en-US" sz="1500" dirty="0" err="1"/>
+              <a:t>zajmującym</a:t>
+            </a:r>
+            <a:r>
+              <a:rPr lang="en-US" sz="1500" dirty="0"/>
+              <a:t> </a:t>
+            </a:r>
+            <a:r>
+              <a:rPr lang="en-US" sz="1500" dirty="0" err="1"/>
+              <a:t>się</a:t>
+            </a:r>
+            <a:r>
+              <a:rPr lang="en-US" sz="1500" dirty="0"/>
+              <a:t> </a:t>
+            </a:r>
+            <a:r>
+              <a:rPr lang="en-US" sz="1500" dirty="0" err="1"/>
+              <a:t>informatyką</a:t>
+            </a:r>
+            <a:r>
+              <a:rPr lang="en-US" sz="1500" dirty="0"/>
+              <a:t> </a:t>
+            </a:r>
+            <a:r>
+              <a:rPr lang="en-US" sz="1500" dirty="0" err="1"/>
+              <a:t>i</a:t>
+            </a:r>
+            <a:r>
+              <a:rPr lang="en-US" sz="1500" dirty="0"/>
+              <a:t> </a:t>
+            </a:r>
+            <a:r>
+              <a:rPr lang="en-US" sz="1500" dirty="0" err="1"/>
+              <a:t>jedną</a:t>
+            </a:r>
+            <a:r>
+              <a:rPr lang="en-US" sz="1500" dirty="0"/>
+              <a:t> z </a:t>
+            </a:r>
+            <a:r>
+              <a:rPr lang="en-US" sz="1500" dirty="0" err="1"/>
+              <a:t>najbardziej</a:t>
+            </a:r>
+            <a:r>
+              <a:rPr lang="en-US" sz="1500" dirty="0"/>
+              <a:t> </a:t>
+            </a:r>
+            <a:r>
+              <a:rPr lang="en-US" sz="1500" dirty="0" err="1"/>
+              <a:t>wpływowych</a:t>
+            </a:r>
+            <a:r>
+              <a:rPr lang="en-US" sz="1500" dirty="0"/>
+              <a:t> </a:t>
+            </a:r>
+            <a:r>
+              <a:rPr lang="en-US" sz="1500" dirty="0" err="1"/>
+              <a:t>postaci</a:t>
+            </a:r>
+            <a:r>
+              <a:rPr lang="en-US" sz="1500" dirty="0"/>
+              <a:t> w </a:t>
+            </a:r>
+            <a:r>
+              <a:rPr lang="en-US" sz="1500" dirty="0" err="1"/>
+              <a:t>dziedzinie</a:t>
+            </a:r>
+            <a:r>
+              <a:rPr lang="en-US" sz="1500" dirty="0"/>
+              <a:t> </a:t>
+            </a:r>
+            <a:r>
+              <a:rPr lang="en-US" sz="1500" dirty="0" err="1"/>
+              <a:t>podstaw</a:t>
+            </a:r>
+            <a:r>
+              <a:rPr lang="en-US" sz="1500" dirty="0"/>
+              <a:t> </a:t>
+            </a:r>
+            <a:r>
+              <a:rPr lang="en-US" sz="1500" dirty="0" err="1"/>
+              <a:t>współczesnej</a:t>
+            </a:r>
+            <a:r>
+              <a:rPr lang="en-US" sz="1500" dirty="0"/>
+              <a:t> </a:t>
+            </a:r>
+            <a:r>
+              <a:rPr lang="en-US" sz="1500" dirty="0" err="1"/>
+              <a:t>inżynierii</a:t>
+            </a:r>
+            <a:r>
+              <a:rPr lang="en-US" sz="1500" dirty="0"/>
+              <a:t> </a:t>
+            </a:r>
+            <a:r>
+              <a:rPr lang="en-US" sz="1500" dirty="0" err="1"/>
+              <a:t>oprogramowania</a:t>
+            </a:r>
+            <a:r>
+              <a:rPr lang="en-US" sz="1500" dirty="0"/>
+              <a:t>. Jest </a:t>
+            </a:r>
+            <a:r>
+              <a:rPr lang="en-US" sz="1500" dirty="0" err="1"/>
+              <a:t>najbardziej</a:t>
+            </a:r>
+            <a:r>
+              <a:rPr lang="en-US" sz="1500" dirty="0"/>
+              <a:t> </a:t>
+            </a:r>
+            <a:r>
+              <a:rPr lang="en-US" sz="1500" dirty="0" err="1"/>
+              <a:t>znana</a:t>
+            </a:r>
+            <a:r>
+              <a:rPr lang="en-US" sz="1500" dirty="0"/>
+              <a:t> ze </a:t>
+            </a:r>
+            <a:r>
+              <a:rPr lang="en-US" sz="1500" dirty="0" err="1"/>
+              <a:t>swojej</a:t>
+            </a:r>
+            <a:r>
+              <a:rPr lang="en-US" sz="1500" dirty="0"/>
+              <a:t> </a:t>
+            </a:r>
+            <a:r>
+              <a:rPr lang="en-US" sz="1500" dirty="0" err="1"/>
+              <a:t>pracy</a:t>
+            </a:r>
+            <a:r>
+              <a:rPr lang="en-US" sz="1500" dirty="0"/>
+              <a:t> </a:t>
+            </a:r>
+            <a:r>
+              <a:rPr lang="en-US" sz="1500" dirty="0" err="1"/>
+              <a:t>nad</a:t>
+            </a:r>
+            <a:r>
+              <a:rPr lang="en-US" sz="1500" dirty="0"/>
+              <a:t> </a:t>
+            </a:r>
+            <a:r>
+              <a:rPr lang="en-US" sz="1500" dirty="0" err="1"/>
+              <a:t>abstrakcją</a:t>
+            </a:r>
+            <a:r>
+              <a:rPr lang="en-US" sz="1500" dirty="0"/>
+              <a:t> </a:t>
+            </a:r>
+            <a:r>
+              <a:rPr lang="en-US" sz="1500" dirty="0" err="1"/>
+              <a:t>danych</a:t>
+            </a:r>
+            <a:r>
+              <a:rPr lang="en-US" sz="1500" dirty="0"/>
+              <a:t>, </a:t>
+            </a:r>
+            <a:r>
+              <a:rPr lang="en-US" sz="1500" dirty="0" err="1"/>
+              <a:t>systemami</a:t>
+            </a:r>
+            <a:r>
+              <a:rPr lang="en-US" sz="1500" dirty="0"/>
+              <a:t> </a:t>
+            </a:r>
+            <a:r>
+              <a:rPr lang="en-US" sz="1500" dirty="0" err="1"/>
+              <a:t>rozproszonymi</a:t>
+            </a:r>
+            <a:r>
+              <a:rPr lang="en-US" sz="1500" dirty="0"/>
+              <a:t> </a:t>
+            </a:r>
+            <a:r>
+              <a:rPr lang="en-US" sz="1500" dirty="0" err="1"/>
+              <a:t>i</a:t>
+            </a:r>
+            <a:r>
+              <a:rPr lang="en-US" sz="1500" dirty="0"/>
+              <a:t> </a:t>
+            </a:r>
+            <a:r>
+              <a:rPr lang="en-US" sz="1500" dirty="0" err="1"/>
+              <a:t>projektowaniem</a:t>
+            </a:r>
+            <a:r>
+              <a:rPr lang="en-US" sz="1500" dirty="0"/>
+              <a:t> </a:t>
+            </a:r>
+            <a:r>
+              <a:rPr lang="en-US" sz="1500" dirty="0" err="1"/>
+              <a:t>języków</a:t>
+            </a:r>
+            <a:r>
+              <a:rPr lang="en-US" sz="1500" dirty="0"/>
+              <a:t> </a:t>
+            </a:r>
+            <a:r>
+              <a:rPr lang="en-US" sz="1500" dirty="0" err="1"/>
+              <a:t>programowania</a:t>
+            </a:r>
+            <a:r>
+              <a:rPr lang="en-US" sz="1500" dirty="0"/>
+              <a:t>. </a:t>
+            </a:r>
+            <a:r>
+              <a:rPr lang="en-US" sz="1500" dirty="0" err="1"/>
+              <a:t>Liskov</a:t>
+            </a:r>
+            <a:r>
+              <a:rPr lang="en-US" sz="1500" dirty="0"/>
+              <a:t> </a:t>
+            </a:r>
+            <a:r>
+              <a:rPr lang="en-US" sz="1500" dirty="0" err="1"/>
+              <a:t>uzyskała</a:t>
+            </a:r>
+            <a:r>
+              <a:rPr lang="en-US" sz="1500" dirty="0"/>
+              <a:t> </a:t>
+            </a:r>
+            <a:r>
+              <a:rPr lang="en-US" sz="1500" dirty="0" err="1"/>
+              <a:t>doktorat</a:t>
+            </a:r>
+            <a:r>
+              <a:rPr lang="en-US" sz="1500" dirty="0"/>
+              <a:t> z </a:t>
+            </a:r>
+            <a:r>
+              <a:rPr lang="en-US" sz="1500" dirty="0" err="1"/>
+              <a:t>informatyki</a:t>
+            </a:r>
+            <a:r>
+              <a:rPr lang="en-US" sz="1500" dirty="0"/>
+              <a:t> </a:t>
+            </a:r>
+            <a:r>
+              <a:rPr lang="en-US" sz="1500" dirty="0" err="1"/>
+              <a:t>na</a:t>
+            </a:r>
+            <a:r>
+              <a:rPr lang="en-US" sz="1500" dirty="0"/>
+              <a:t> </a:t>
+            </a:r>
+            <a:r>
+              <a:rPr lang="en-US" sz="1500" dirty="0" err="1"/>
+              <a:t>Uniwersytecie</a:t>
+            </a:r>
+            <a:r>
+              <a:rPr lang="en-US" sz="1500" dirty="0"/>
+              <a:t> </a:t>
+            </a:r>
+            <a:r>
+              <a:rPr lang="en-US" sz="1500" dirty="0" err="1"/>
+              <a:t>Stanforda</a:t>
+            </a:r>
+            <a:r>
+              <a:rPr lang="en-US" sz="1500" dirty="0"/>
+              <a:t> w 1968 </a:t>
+            </a:r>
+            <a:r>
+              <a:rPr lang="en-US" sz="1500" dirty="0" err="1"/>
+              <a:t>roku</a:t>
+            </a:r>
+            <a:r>
+              <a:rPr lang="en-US" sz="1500" dirty="0"/>
+              <a:t>, </a:t>
+            </a:r>
+            <a:r>
+              <a:rPr lang="en-US" sz="1500" dirty="0" err="1"/>
+              <a:t>stając</a:t>
+            </a:r>
+            <a:r>
+              <a:rPr lang="en-US" sz="1500" dirty="0"/>
+              <a:t> </a:t>
+            </a:r>
+            <a:r>
+              <a:rPr lang="en-US" sz="1500" dirty="0" err="1"/>
+              <a:t>się</a:t>
+            </a:r>
+            <a:r>
+              <a:rPr lang="en-US" sz="1500" dirty="0"/>
+              <a:t> </a:t>
+            </a:r>
+            <a:r>
+              <a:rPr lang="en-US" sz="1500" dirty="0" err="1"/>
+              <a:t>jedną</a:t>
+            </a:r>
+            <a:r>
+              <a:rPr lang="en-US" sz="1500" dirty="0"/>
+              <a:t> z </a:t>
+            </a:r>
+            <a:r>
+              <a:rPr lang="en-US" sz="1500" dirty="0" err="1"/>
+              <a:t>pierwszych</a:t>
+            </a:r>
+            <a:r>
+              <a:rPr lang="en-US" sz="1500" dirty="0"/>
+              <a:t> </a:t>
+            </a:r>
+            <a:r>
+              <a:rPr lang="en-US" sz="1500" dirty="0" err="1"/>
+              <a:t>kobiet</a:t>
+            </a:r>
+            <a:r>
+              <a:rPr lang="en-US" sz="1500" dirty="0"/>
+              <a:t> w </a:t>
+            </a:r>
+            <a:r>
+              <a:rPr lang="en-US" sz="1500" dirty="0" err="1"/>
+              <a:t>Stanach</a:t>
+            </a:r>
+            <a:r>
+              <a:rPr lang="en-US" sz="1500" dirty="0"/>
+              <a:t> </a:t>
+            </a:r>
+            <a:r>
+              <a:rPr lang="en-US" sz="1500" dirty="0" err="1"/>
+              <a:t>Zjednoczonych</a:t>
+            </a:r>
+            <a:r>
+              <a:rPr lang="en-US" sz="1500" dirty="0"/>
+              <a:t>, </a:t>
+            </a:r>
+            <a:r>
+              <a:rPr lang="en-US" sz="1500" dirty="0" err="1"/>
+              <a:t>które</a:t>
+            </a:r>
+            <a:r>
+              <a:rPr lang="en-US" sz="1500" dirty="0"/>
+              <a:t> </a:t>
+            </a:r>
+            <a:r>
+              <a:rPr lang="en-US" sz="1500" dirty="0" err="1"/>
+              <a:t>uzyskały</a:t>
+            </a:r>
+            <a:r>
+              <a:rPr lang="en-US" sz="1500" dirty="0"/>
+              <a:t> </a:t>
+            </a:r>
+            <a:r>
+              <a:rPr lang="en-US" sz="1500" dirty="0" err="1"/>
+              <a:t>doktorat</a:t>
+            </a:r>
+            <a:r>
+              <a:rPr lang="en-US" sz="1500" dirty="0"/>
+              <a:t> z </a:t>
+            </a:r>
+            <a:r>
+              <a:rPr lang="en-US" sz="1500" dirty="0" err="1"/>
+              <a:t>informatyki</a:t>
+            </a:r>
+            <a:r>
+              <a:rPr lang="en-US" sz="1500" dirty="0"/>
+              <a:t>. </a:t>
+            </a:r>
+            <a:r>
+              <a:rPr lang="en-US" sz="1500" dirty="0" err="1"/>
+              <a:t>Większość</a:t>
+            </a:r>
+            <a:r>
+              <a:rPr lang="en-US" sz="1500" dirty="0"/>
+              <a:t> </a:t>
+            </a:r>
+            <a:r>
+              <a:rPr lang="en-US" sz="1500" dirty="0" err="1"/>
+              <a:t>swojej</a:t>
+            </a:r>
+            <a:r>
+              <a:rPr lang="en-US" sz="1500" dirty="0"/>
+              <a:t> </a:t>
+            </a:r>
+            <a:r>
+              <a:rPr lang="en-US" sz="1500" dirty="0" err="1"/>
+              <a:t>kariery</a:t>
+            </a:r>
+            <a:r>
+              <a:rPr lang="en-US" sz="1500" dirty="0"/>
+              <a:t> </a:t>
+            </a:r>
+            <a:r>
+              <a:rPr lang="en-US" sz="1500" dirty="0" err="1"/>
+              <a:t>spędziła</a:t>
+            </a:r>
+            <a:r>
+              <a:rPr lang="en-US" sz="1500" dirty="0"/>
+              <a:t> w MIT, </a:t>
+            </a:r>
+            <a:r>
+              <a:rPr lang="en-US" sz="1500" dirty="0" err="1"/>
+              <a:t>gdzie</a:t>
+            </a:r>
+            <a:r>
+              <a:rPr lang="en-US" sz="1500" dirty="0"/>
+              <a:t> </a:t>
+            </a:r>
+            <a:r>
+              <a:rPr lang="en-US" sz="1500" dirty="0" err="1"/>
+              <a:t>kierowała</a:t>
+            </a:r>
+            <a:r>
+              <a:rPr lang="en-US" sz="1500" dirty="0"/>
+              <a:t> </a:t>
+            </a:r>
+            <a:r>
+              <a:rPr lang="en-US" sz="1500" dirty="0" err="1"/>
+              <a:t>dużymi</a:t>
+            </a:r>
+            <a:r>
+              <a:rPr lang="en-US" sz="1500" dirty="0"/>
+              <a:t> </a:t>
+            </a:r>
+            <a:r>
+              <a:rPr lang="en-US" sz="1500" dirty="0" err="1"/>
+              <a:t>projektami</a:t>
+            </a:r>
+            <a:r>
+              <a:rPr lang="en-US" sz="1500" dirty="0"/>
+              <a:t> </a:t>
+            </a:r>
+            <a:r>
+              <a:rPr lang="en-US" sz="1500" dirty="0" err="1"/>
+              <a:t>badawczymi</a:t>
+            </a:r>
+            <a:r>
+              <a:rPr lang="en-US" sz="1500" dirty="0"/>
+              <a:t> </a:t>
+            </a:r>
+            <a:r>
+              <a:rPr lang="en-US" sz="1500" dirty="0" err="1"/>
+              <a:t>i</a:t>
+            </a:r>
+            <a:r>
+              <a:rPr lang="en-US" sz="1500" dirty="0"/>
+              <a:t> </a:t>
+            </a:r>
+            <a:r>
+              <a:rPr lang="en-US" sz="1500" dirty="0" err="1"/>
+              <a:t>była</a:t>
+            </a:r>
+            <a:r>
+              <a:rPr lang="en-US" sz="1500" dirty="0"/>
+              <a:t> </a:t>
+            </a:r>
+            <a:r>
+              <a:rPr lang="en-US" sz="1500" dirty="0" err="1"/>
+              <a:t>mentorką</a:t>
+            </a:r>
+            <a:r>
+              <a:rPr lang="en-US" sz="1500" dirty="0"/>
+              <a:t> </a:t>
+            </a:r>
+            <a:r>
+              <a:rPr lang="en-US" sz="1500" dirty="0" err="1"/>
+              <a:t>wielu</a:t>
+            </a:r>
+            <a:r>
+              <a:rPr lang="en-US" sz="1500" dirty="0"/>
+              <a:t> </a:t>
+            </a:r>
+            <a:r>
+              <a:rPr lang="en-US" sz="1500" dirty="0" err="1"/>
+              <a:t>pokoleń</a:t>
+            </a:r>
+            <a:r>
+              <a:rPr lang="en-US" sz="1500" dirty="0"/>
+              <a:t> </a:t>
+            </a:r>
+            <a:r>
+              <a:rPr lang="en-US" sz="1500" dirty="0" err="1"/>
+              <a:t>informatyków</a:t>
+            </a:r>
+            <a:r>
+              <a:rPr lang="en-US" sz="1500" dirty="0"/>
+              <a:t>. </a:t>
+            </a:r>
+            <a:r>
+              <a:rPr lang="en-US" sz="1500" dirty="0" err="1"/>
+              <a:t>Nagroda</a:t>
+            </a:r>
+            <a:r>
+              <a:rPr lang="en-US" sz="1500" dirty="0"/>
+              <a:t> </a:t>
+            </a:r>
+            <a:r>
+              <a:rPr lang="en-US" sz="1500" dirty="0" err="1"/>
+              <a:t>Turinga</a:t>
+            </a:r>
+            <a:r>
+              <a:rPr lang="en-US" sz="1500" dirty="0"/>
+              <a:t> 2008 r.</a:t>
             </a:r>
           </a:p>
         </p:txBody>
@@ -13925,7 +15038,7 @@
           <a:lstStyle/>
           <a:p>
             <a:r>
-              <a:rPr lang="en-US" kern="1200">
+              <a:rPr lang="en-US" kern="1200" dirty="0">
                 <a:solidFill>
                   <a:schemeClr val="tx1"/>
                 </a:solidFill>

--- a/liskov/Liskov Substitution principle.pptx
+++ b/liskov/Liskov Substitution principle.pptx
@@ -9098,6 +9098,76 @@
             <a:r>
               <a:rPr lang="en-US" dirty="0"/>
               <a:t>History properties</a:t>
+            </a:r>
+          </a:p>
+        </p:txBody>
+      </p:sp>
+      <p:sp>
+        <p:nvSpPr>
+          <p:cNvPr id="3" name="TextBox 2">
+            <a:extLst>
+              <a:ext uri="{FF2B5EF4-FFF2-40B4-BE49-F238E27FC236}">
+                <a16:creationId xmlns:a16="http://schemas.microsoft.com/office/drawing/2014/main" id="{1E7E2250-C12D-91E1-6B37-9A2FEB8EF48D}"/>
+              </a:ext>
+            </a:extLst>
+          </p:cNvPr>
+          <p:cNvSpPr txBox="1"/>
+          <p:nvPr/>
+        </p:nvSpPr>
+        <p:spPr>
+          <a:xfrm>
+            <a:off x="7935450" y="2393850"/>
+            <a:ext cx="1644425" cy="369332"/>
+          </a:xfrm>
+          <a:prstGeom prst="rect">
+            <a:avLst/>
+          </a:prstGeom>
+          <a:noFill/>
+        </p:spPr>
+        <p:txBody>
+          <a:bodyPr wrap="none" rtlCol="0">
+            <a:spAutoFit/>
+          </a:bodyPr>
+          <a:lstStyle/>
+          <a:p>
+            <a:r>
+              <a:rPr lang="en-US" dirty="0"/>
+              <a:t>Pre-conditions</a:t>
+            </a:r>
+          </a:p>
+        </p:txBody>
+      </p:sp>
+      <p:sp>
+        <p:nvSpPr>
+          <p:cNvPr id="4" name="TextBox 3">
+            <a:extLst>
+              <a:ext uri="{FF2B5EF4-FFF2-40B4-BE49-F238E27FC236}">
+                <a16:creationId xmlns:a16="http://schemas.microsoft.com/office/drawing/2014/main" id="{6FFAB15E-1CA8-0381-1000-B2E7366997B2}"/>
+              </a:ext>
+            </a:extLst>
+          </p:cNvPr>
+          <p:cNvSpPr txBox="1"/>
+          <p:nvPr/>
+        </p:nvSpPr>
+        <p:spPr>
+          <a:xfrm>
+            <a:off x="8626937" y="3334820"/>
+            <a:ext cx="1753557" cy="369332"/>
+          </a:xfrm>
+          <a:prstGeom prst="rect">
+            <a:avLst/>
+          </a:prstGeom>
+          <a:noFill/>
+        </p:spPr>
+        <p:txBody>
+          <a:bodyPr wrap="none" rtlCol="0">
+            <a:spAutoFit/>
+          </a:bodyPr>
+          <a:lstStyle/>
+          <a:p>
+            <a:r>
+              <a:rPr lang="en-US" dirty="0"/>
+              <a:t>Post-conditions</a:t>
             </a:r>
           </a:p>
         </p:txBody>
